--- a/PPT/02.타입스크립트 - 클래스, 모듈, 제네릭.pptx
+++ b/PPT/02.타입스크립트 - 클래스, 모듈, 제네릭.pptx
@@ -1620,7 +1620,7 @@
   <pc:docChgLst>
     <pc:chgData name="jeongkilyong" userId="42a1e730-e7ec-4950-9a60-48236c77d83b" providerId="ADAL" clId="{E79A7E60-C80E-49E2-A545-BCBBDC909774}"/>
     <pc:docChg chg="undo custSel modSld">
-      <pc:chgData name="jeongkilyong" userId="42a1e730-e7ec-4950-9a60-48236c77d83b" providerId="ADAL" clId="{E79A7E60-C80E-49E2-A545-BCBBDC909774}" dt="2024-07-01T22:52:34.622" v="74" actId="1076"/>
+      <pc:chgData name="jeongkilyong" userId="42a1e730-e7ec-4950-9a60-48236c77d83b" providerId="ADAL" clId="{E79A7E60-C80E-49E2-A545-BCBBDC909774}" dt="2024-07-03T04:00:12.402" v="78" actId="20577"/>
       <pc:docMkLst>
         <pc:docMk/>
       </pc:docMkLst>
@@ -1721,6 +1721,21 @@
             <pc:docMk/>
             <pc:sldMk cId="1748609367" sldId="355"/>
             <ac:spMk id="9" creationId="{EE41E1F6-1613-4428-99CD-9DF45363718F}"/>
+          </ac:spMkLst>
+        </pc:spChg>
+      </pc:sldChg>
+      <pc:sldChg chg="modSp mod">
+        <pc:chgData name="jeongkilyong" userId="42a1e730-e7ec-4950-9a60-48236c77d83b" providerId="ADAL" clId="{E79A7E60-C80E-49E2-A545-BCBBDC909774}" dt="2024-07-03T04:00:12.402" v="78" actId="20577"/>
+        <pc:sldMkLst>
+          <pc:docMk/>
+          <pc:sldMk cId="572749304" sldId="357"/>
+        </pc:sldMkLst>
+        <pc:spChg chg="mod">
+          <ac:chgData name="jeongkilyong" userId="42a1e730-e7ec-4950-9a60-48236c77d83b" providerId="ADAL" clId="{E79A7E60-C80E-49E2-A545-BCBBDC909774}" dt="2024-07-03T04:00:12.402" v="78" actId="20577"/>
+          <ac:spMkLst>
+            <pc:docMk/>
+            <pc:sldMk cId="572749304" sldId="357"/>
+            <ac:spMk id="6" creationId="{3E55E059-54C8-4E7F-A503-598158F3E342}"/>
           </ac:spMkLst>
         </pc:spChg>
       </pc:sldChg>
@@ -4187,7 +4202,7 @@
             <a:fld id="{C5EB0431-1611-1744-95F0-8172773087C5}" type="datetimeFigureOut">
               <a:rPr lang="en-US" altLang="ko-Kore-KR" smtClean="0"/>
               <a:pPr/>
-              <a:t>7/2/2024</a:t>
+              <a:t>7/3/2024</a:t>
             </a:fld>
             <a:endParaRPr lang="ko-Kore-KR"/>
           </a:p>
@@ -4607,7 +4622,7 @@
           <a:p>
             <a:fld id="{5FD0AF26-B2D6-41C9-847A-12B3D1677265}" type="datetime1">
               <a:rPr kumimoji="1" lang="ko-KR" altLang="en-US" smtClean="0"/>
-              <a:t>2024-07-02</a:t>
+              <a:t>2024-07-03</a:t>
             </a:fld>
             <a:endParaRPr kumimoji="1" lang="ko-KR" altLang="en-US"/>
           </a:p>
@@ -4805,7 +4820,7 @@
           <a:p>
             <a:fld id="{11A845FB-4EAB-4F93-BE87-891FAC391B0C}" type="datetime1">
               <a:rPr kumimoji="1" lang="ko-KR" altLang="en-US" smtClean="0"/>
-              <a:t>2024-07-02</a:t>
+              <a:t>2024-07-03</a:t>
             </a:fld>
             <a:endParaRPr kumimoji="1" lang="ko-KR" altLang="en-US"/>
           </a:p>
@@ -5013,7 +5028,7 @@
           <a:p>
             <a:fld id="{6597FBCF-59BC-423C-A27E-A4E0342EEDF5}" type="datetime1">
               <a:rPr kumimoji="1" lang="ko-KR" altLang="en-US" smtClean="0"/>
-              <a:t>2024-07-02</a:t>
+              <a:t>2024-07-03</a:t>
             </a:fld>
             <a:endParaRPr kumimoji="1" lang="ko-KR" altLang="en-US"/>
           </a:p>
@@ -5211,7 +5226,7 @@
           <a:p>
             <a:fld id="{59DE6E8A-4C0D-4CC6-BBD6-2F945A6B3540}" type="datetime1">
               <a:rPr kumimoji="1" lang="ko-KR" altLang="en-US" smtClean="0"/>
-              <a:t>2024-07-02</a:t>
+              <a:t>2024-07-03</a:t>
             </a:fld>
             <a:endParaRPr kumimoji="1" lang="ko-KR" altLang="en-US"/>
           </a:p>
@@ -5486,7 +5501,7 @@
           <a:p>
             <a:fld id="{BEBFBD75-CCBA-4C22-86CA-859D220600AA}" type="datetime1">
               <a:rPr kumimoji="1" lang="ko-KR" altLang="en-US" smtClean="0"/>
-              <a:t>2024-07-02</a:t>
+              <a:t>2024-07-03</a:t>
             </a:fld>
             <a:endParaRPr kumimoji="1" lang="ko-KR" altLang="en-US"/>
           </a:p>
@@ -5751,7 +5766,7 @@
           <a:p>
             <a:fld id="{DB031150-5CB0-41C0-9104-5695DD253F49}" type="datetime1">
               <a:rPr kumimoji="1" lang="ko-KR" altLang="en-US" smtClean="0"/>
-              <a:t>2024-07-02</a:t>
+              <a:t>2024-07-03</a:t>
             </a:fld>
             <a:endParaRPr kumimoji="1" lang="ko-KR" altLang="en-US"/>
           </a:p>
@@ -6163,7 +6178,7 @@
           <a:p>
             <a:fld id="{0B78CFAD-1435-498E-ACFE-38131B135631}" type="datetime1">
               <a:rPr kumimoji="1" lang="ko-KR" altLang="en-US" smtClean="0"/>
-              <a:t>2024-07-02</a:t>
+              <a:t>2024-07-03</a:t>
             </a:fld>
             <a:endParaRPr kumimoji="1" lang="ko-KR" altLang="en-US"/>
           </a:p>
@@ -6304,7 +6319,7 @@
           <a:p>
             <a:fld id="{BF2AA6DB-F13D-4C47-BC2B-E1D25CB476ED}" type="datetime1">
               <a:rPr kumimoji="1" lang="ko-KR" altLang="en-US" smtClean="0"/>
-              <a:t>2024-07-02</a:t>
+              <a:t>2024-07-03</a:t>
             </a:fld>
             <a:endParaRPr kumimoji="1" lang="ko-KR" altLang="en-US"/>
           </a:p>
@@ -6417,7 +6432,7 @@
           <a:p>
             <a:fld id="{14FBB438-2880-4761-94BA-7F7996C8C3BD}" type="datetime1">
               <a:rPr kumimoji="1" lang="ko-KR" altLang="en-US" smtClean="0"/>
-              <a:t>2024-07-02</a:t>
+              <a:t>2024-07-03</a:t>
             </a:fld>
             <a:endParaRPr kumimoji="1" lang="ko-KR" altLang="en-US"/>
           </a:p>
@@ -6728,7 +6743,7 @@
           <a:p>
             <a:fld id="{C4D9C33D-E09A-4F6E-A7FA-CF959C3E6DEE}" type="datetime1">
               <a:rPr kumimoji="1" lang="ko-KR" altLang="en-US" smtClean="0"/>
-              <a:t>2024-07-02</a:t>
+              <a:t>2024-07-03</a:t>
             </a:fld>
             <a:endParaRPr kumimoji="1" lang="ko-KR" altLang="en-US"/>
           </a:p>
@@ -7016,7 +7031,7 @@
           <a:p>
             <a:fld id="{DB10E3DE-CCA8-4CB9-BDA2-4741B0CD6641}" type="datetime1">
               <a:rPr kumimoji="1" lang="ko-KR" altLang="en-US" smtClean="0"/>
-              <a:t>2024-07-02</a:t>
+              <a:t>2024-07-03</a:t>
             </a:fld>
             <a:endParaRPr kumimoji="1" lang="ko-KR" altLang="en-US"/>
           </a:p>
@@ -7259,7 +7274,7 @@
           <a:p>
             <a:fld id="{827CA893-2A65-4E72-A022-7CB16F3818A4}" type="datetime1">
               <a:rPr kumimoji="1" lang="ko-KR" altLang="en-US" smtClean="0"/>
-              <a:t>2024-07-02</a:t>
+              <a:t>2024-07-03</a:t>
             </a:fld>
             <a:endParaRPr kumimoji="1" lang="ko-KR" altLang="en-US"/>
           </a:p>
@@ -12557,7 +12572,7 @@
                 <a:latin typeface="Noto Sans CJK KR Regular" panose="020B0500000000000000" pitchFamily="34" charset="-127"/>
                 <a:ea typeface="Noto Sans CJK KR Regular" panose="020B0500000000000000" pitchFamily="34" charset="-127"/>
               </a:rPr>
-              <a:t>07-02.ts, 05-03</a:t>
+              <a:t>07-02.ts, 03, 05-03</a:t>
             </a:r>
             <a:endParaRPr lang="ko-KR" altLang="en-US" dirty="0">
               <a:solidFill>
